--- a/deliverables/오픈마켓QnA게시판분석/오픈마켓QnA게시판분석_판매자.pptx
+++ b/deliverables/오픈마켓QnA게시판분석/오픈마켓QnA게시판분석_판매자.pptx
@@ -1509,22 +1509,13 @@
             </a:r>
             <a:r>
               <a:rPr lang="en-US" altLang="ko-KR" dirty="0" smtClean="0"/>
-              <a:t>: catveloper365</a:t>
-            </a:r>
-          </a:p>
-          <a:p>
-            <a:pPr marL="0" indent="0" algn="ctr">
-              <a:buNone/>
-            </a:pPr>
-            <a:r>
-              <a:rPr lang="ko-KR" altLang="en-US" dirty="0" smtClean="0"/>
-              <a:t>버전 </a:t>
-            </a:r>
-            <a:r>
-              <a:rPr lang="en-US" altLang="ko-KR" dirty="0" smtClean="0"/>
-              <a:t>: V0.1</a:t>
-            </a:r>
-            <a:endParaRPr lang="ko-KR" altLang="en-US" dirty="0"/>
+              <a:t>: </a:t>
+            </a:r>
+            <a:r>
+              <a:rPr lang="en-US" altLang="ko-KR" dirty="0" smtClean="0"/>
+              <a:t>catveloper365</a:t>
+            </a:r>
+            <a:endParaRPr lang="en-US" altLang="ko-KR" dirty="0" smtClean="0"/>
           </a:p>
         </p:txBody>
       </p:sp>
